--- a/Documentos/portifolio.pptx
+++ b/Documentos/portifolio.pptx
@@ -304,7 +304,7 @@
           <a:p>
             <a:fld id="{C52E27ED-BBDD-401E-B8EE-F9429EEA64F7}" type="datetimeFigureOut">
               <a:rPr lang="pt-BR" smtClean="0"/>
-              <a:t>25/07/2012</a:t>
+              <a:t>27/08/2012</a:t>
             </a:fld>
             <a:endParaRPr lang="pt-BR"/>
           </a:p>
@@ -474,7 +474,7 @@
           <a:p>
             <a:fld id="{C52E27ED-BBDD-401E-B8EE-F9429EEA64F7}" type="datetimeFigureOut">
               <a:rPr lang="pt-BR" smtClean="0"/>
-              <a:t>25/07/2012</a:t>
+              <a:t>27/08/2012</a:t>
             </a:fld>
             <a:endParaRPr lang="pt-BR"/>
           </a:p>
@@ -654,7 +654,7 @@
           <a:p>
             <a:fld id="{C52E27ED-BBDD-401E-B8EE-F9429EEA64F7}" type="datetimeFigureOut">
               <a:rPr lang="pt-BR" smtClean="0"/>
-              <a:t>25/07/2012</a:t>
+              <a:t>27/08/2012</a:t>
             </a:fld>
             <a:endParaRPr lang="pt-BR"/>
           </a:p>
@@ -824,7 +824,7 @@
           <a:p>
             <a:fld id="{C52E27ED-BBDD-401E-B8EE-F9429EEA64F7}" type="datetimeFigureOut">
               <a:rPr lang="pt-BR" smtClean="0"/>
-              <a:t>25/07/2012</a:t>
+              <a:t>27/08/2012</a:t>
             </a:fld>
             <a:endParaRPr lang="pt-BR"/>
           </a:p>
@@ -1070,7 +1070,7 @@
           <a:p>
             <a:fld id="{C52E27ED-BBDD-401E-B8EE-F9429EEA64F7}" type="datetimeFigureOut">
               <a:rPr lang="pt-BR" smtClean="0"/>
-              <a:t>25/07/2012</a:t>
+              <a:t>27/08/2012</a:t>
             </a:fld>
             <a:endParaRPr lang="pt-BR"/>
           </a:p>
@@ -1358,7 +1358,7 @@
           <a:p>
             <a:fld id="{C52E27ED-BBDD-401E-B8EE-F9429EEA64F7}" type="datetimeFigureOut">
               <a:rPr lang="pt-BR" smtClean="0"/>
-              <a:t>25/07/2012</a:t>
+              <a:t>27/08/2012</a:t>
             </a:fld>
             <a:endParaRPr lang="pt-BR"/>
           </a:p>
@@ -1780,7 +1780,7 @@
           <a:p>
             <a:fld id="{C52E27ED-BBDD-401E-B8EE-F9429EEA64F7}" type="datetimeFigureOut">
               <a:rPr lang="pt-BR" smtClean="0"/>
-              <a:t>25/07/2012</a:t>
+              <a:t>27/08/2012</a:t>
             </a:fld>
             <a:endParaRPr lang="pt-BR"/>
           </a:p>
@@ -1898,7 +1898,7 @@
           <a:p>
             <a:fld id="{C52E27ED-BBDD-401E-B8EE-F9429EEA64F7}" type="datetimeFigureOut">
               <a:rPr lang="pt-BR" smtClean="0"/>
-              <a:t>25/07/2012</a:t>
+              <a:t>27/08/2012</a:t>
             </a:fld>
             <a:endParaRPr lang="pt-BR"/>
           </a:p>
@@ -1993,7 +1993,7 @@
           <a:p>
             <a:fld id="{C52E27ED-BBDD-401E-B8EE-F9429EEA64F7}" type="datetimeFigureOut">
               <a:rPr lang="pt-BR" smtClean="0"/>
-              <a:t>25/07/2012</a:t>
+              <a:t>27/08/2012</a:t>
             </a:fld>
             <a:endParaRPr lang="pt-BR"/>
           </a:p>
@@ -2270,7 +2270,7 @@
           <a:p>
             <a:fld id="{C52E27ED-BBDD-401E-B8EE-F9429EEA64F7}" type="datetimeFigureOut">
               <a:rPr lang="pt-BR" smtClean="0"/>
-              <a:t>25/07/2012</a:t>
+              <a:t>27/08/2012</a:t>
             </a:fld>
             <a:endParaRPr lang="pt-BR"/>
           </a:p>
@@ -2523,7 +2523,7 @@
           <a:p>
             <a:fld id="{C52E27ED-BBDD-401E-B8EE-F9429EEA64F7}" type="datetimeFigureOut">
               <a:rPr lang="pt-BR" smtClean="0"/>
-              <a:t>25/07/2012</a:t>
+              <a:t>27/08/2012</a:t>
             </a:fld>
             <a:endParaRPr lang="pt-BR"/>
           </a:p>
@@ -2736,7 +2736,7 @@
           <a:p>
             <a:fld id="{C52E27ED-BBDD-401E-B8EE-F9429EEA64F7}" type="datetimeFigureOut">
               <a:rPr lang="pt-BR" smtClean="0"/>
-              <a:t>25/07/2012</a:t>
+              <a:t>27/08/2012</a:t>
             </a:fld>
             <a:endParaRPr lang="pt-BR"/>
           </a:p>
@@ -3181,7 +3181,16 @@
                 </a:solidFill>
                 <a:latin typeface="Perpetua Titling MT" panose="02020502060505020804" pitchFamily="18" charset="0"/>
               </a:rPr>
-              <a:t>HICTUS</a:t>
+              <a:t>I</a:t>
+            </a:r>
+            <a:r>
+              <a:rPr lang="pt-BR" sz="4800" dirty="0" smtClean="0">
+                <a:solidFill>
+                  <a:srgbClr val="C00000"/>
+                </a:solidFill>
+                <a:latin typeface="Perpetua Titling MT" panose="02020502060505020804" pitchFamily="18" charset="0"/>
+              </a:rPr>
+              <a:t>CTHUS</a:t>
             </a:r>
             <a:r>
               <a:rPr lang="pt-BR" sz="5400" dirty="0" smtClean="0">
@@ -3660,7 +3669,7 @@
                   <a:ea typeface="Segoe UI" pitchFamily="34" charset="0"/>
                   <a:cs typeface="Segoe UI Semilight" pitchFamily="34" charset="0"/>
                 </a:rPr>
-                <a:t>fuxo</a:t>
+                <a:t>movimento</a:t>
               </a:r>
               <a:r>
                 <a:rPr lang="en-US" sz="1000" dirty="0" smtClean="0">
@@ -4819,7 +4828,7 @@
 </file>
 
 <file path=customXml/itemProps1.xml><?xml version="1.0" encoding="utf-8"?>
-<ds:datastoreItem xmlns:ds="http://schemas.openxmlformats.org/officeDocument/2006/customXml" ds:itemID="{D7AE496C-60CB-40A4-895F-D3B03EA0D02B}">
+<ds:datastoreItem xmlns:ds="http://schemas.openxmlformats.org/officeDocument/2006/customXml" ds:itemID="{A9906721-6CD0-49C5-91A5-285E64455A5B}">
   <ds:schemaRefs>
     <ds:schemaRef ds:uri="http://schemas.microsoft.com/VisualStudio/2011/storyboarding/control"/>
   </ds:schemaRefs>
@@ -4835,7 +4844,7 @@
 </file>
 
 <file path=customXml/itemProps3.xml><?xml version="1.0" encoding="utf-8"?>
-<ds:datastoreItem xmlns:ds="http://schemas.openxmlformats.org/officeDocument/2006/customXml" ds:itemID="{A9906721-6CD0-49C5-91A5-285E64455A5B}">
+<ds:datastoreItem xmlns:ds="http://schemas.openxmlformats.org/officeDocument/2006/customXml" ds:itemID="{D7AE496C-60CB-40A4-895F-D3B03EA0D02B}">
   <ds:schemaRefs>
     <ds:schemaRef ds:uri="http://schemas.microsoft.com/VisualStudio/2011/storyboarding/control"/>
   </ds:schemaRefs>
